--- a/ppt 16-9/0884.活石同来建造.pptx
+++ b/ppt 16-9/0884.活石同来建造.pptx
@@ -129,7 +129,7 @@
           <p:cNvPr id="2" name="标题 1">
             <a:extLst>
               <a:ext uri="{FF2B5EF4-FFF2-40B4-BE49-F238E27FC236}">
-                <a16:creationId xmlns:a16="http://schemas.microsoft.com/office/drawing/2014/main" id="{D6A90EB2-4622-BF62-4D2E-39B59DEFE026}"/>
+                <a16:creationId xmlns:a16="http://schemas.microsoft.com/office/drawing/2014/main" id="{3866CEB3-10FD-D5C2-F0D6-375029DC1C87}"/>
               </a:ext>
             </a:extLst>
           </p:cNvPr>
@@ -166,7 +166,7 @@
           <p:cNvPr id="3" name="副标题 2">
             <a:extLst>
               <a:ext uri="{FF2B5EF4-FFF2-40B4-BE49-F238E27FC236}">
-                <a16:creationId xmlns:a16="http://schemas.microsoft.com/office/drawing/2014/main" id="{54E8A578-2965-135D-432C-75852CDE8F1D}"/>
+                <a16:creationId xmlns:a16="http://schemas.microsoft.com/office/drawing/2014/main" id="{8EB35916-0C13-0592-D2C5-C4645BB914F2}"/>
               </a:ext>
             </a:extLst>
           </p:cNvPr>
@@ -236,7 +236,7 @@
           <p:cNvPr id="4" name="日期占位符 3">
             <a:extLst>
               <a:ext uri="{FF2B5EF4-FFF2-40B4-BE49-F238E27FC236}">
-                <a16:creationId xmlns:a16="http://schemas.microsoft.com/office/drawing/2014/main" id="{4B0A027B-03C8-9E2B-B531-D321BA83B958}"/>
+                <a16:creationId xmlns:a16="http://schemas.microsoft.com/office/drawing/2014/main" id="{729CEE41-8BF3-C31D-5426-736475809525}"/>
               </a:ext>
             </a:extLst>
           </p:cNvPr>
@@ -252,7 +252,7 @@
           <a:bodyPr/>
           <a:lstStyle/>
           <a:p>
-            <a:fld id="{6E7F1562-598B-467E-850F-8E0BF8195491}" type="datetimeFigureOut">
+            <a:fld id="{32F01EF9-84B8-4976-B8BB-17876C7CA3C0}" type="datetimeFigureOut">
               <a:rPr lang="zh-CN" altLang="en-US" smtClean="0"/>
               <a:t>2024/3/10</a:t>
             </a:fld>
@@ -265,7 +265,7 @@
           <p:cNvPr id="5" name="页脚占位符 4">
             <a:extLst>
               <a:ext uri="{FF2B5EF4-FFF2-40B4-BE49-F238E27FC236}">
-                <a16:creationId xmlns:a16="http://schemas.microsoft.com/office/drawing/2014/main" id="{6441559B-781B-0D91-CF94-A1B5F4AF41E7}"/>
+                <a16:creationId xmlns:a16="http://schemas.microsoft.com/office/drawing/2014/main" id="{1D709274-B00B-7AC2-BFA7-4369E6C1901E}"/>
               </a:ext>
             </a:extLst>
           </p:cNvPr>
@@ -290,7 +290,7 @@
           <p:cNvPr id="6" name="灯片编号占位符 5">
             <a:extLst>
               <a:ext uri="{FF2B5EF4-FFF2-40B4-BE49-F238E27FC236}">
-                <a16:creationId xmlns:a16="http://schemas.microsoft.com/office/drawing/2014/main" id="{76F4B679-6776-65C5-59A6-38BA437582E2}"/>
+                <a16:creationId xmlns:a16="http://schemas.microsoft.com/office/drawing/2014/main" id="{36203108-2D14-3EAA-BEBF-C73915796274}"/>
               </a:ext>
             </a:extLst>
           </p:cNvPr>
@@ -306,7 +306,7 @@
           <a:bodyPr/>
           <a:lstStyle/>
           <a:p>
-            <a:fld id="{203DF068-1A2A-4D08-AECC-C819F1C20FE9}" type="slidenum">
+            <a:fld id="{1ABDB46A-4D38-40D6-B94D-888EEAF96962}" type="slidenum">
               <a:rPr lang="zh-CN" altLang="en-US" smtClean="0"/>
               <a:t>‹#›</a:t>
             </a:fld>
@@ -317,7 +317,7 @@
     </p:spTree>
     <p:extLst>
       <p:ext uri="{BB962C8B-B14F-4D97-AF65-F5344CB8AC3E}">
-        <p14:creationId xmlns:p14="http://schemas.microsoft.com/office/powerpoint/2010/main" val="3324767299"/>
+        <p14:creationId xmlns:p14="http://schemas.microsoft.com/office/powerpoint/2010/main" val="2335586065"/>
       </p:ext>
     </p:extLst>
   </p:cSld>
@@ -349,7 +349,7 @@
           <p:cNvPr id="2" name="标题 1">
             <a:extLst>
               <a:ext uri="{FF2B5EF4-FFF2-40B4-BE49-F238E27FC236}">
-                <a16:creationId xmlns:a16="http://schemas.microsoft.com/office/drawing/2014/main" id="{455D1998-2DE8-20B0-9772-B63CAB5351DF}"/>
+                <a16:creationId xmlns:a16="http://schemas.microsoft.com/office/drawing/2014/main" id="{CA583C79-5ADD-C507-C708-E20341397FB8}"/>
               </a:ext>
             </a:extLst>
           </p:cNvPr>
@@ -377,7 +377,7 @@
           <p:cNvPr id="3" name="竖排文字占位符 2">
             <a:extLst>
               <a:ext uri="{FF2B5EF4-FFF2-40B4-BE49-F238E27FC236}">
-                <a16:creationId xmlns:a16="http://schemas.microsoft.com/office/drawing/2014/main" id="{A7274D2D-55DC-50D6-15FF-45D9A3A026A6}"/>
+                <a16:creationId xmlns:a16="http://schemas.microsoft.com/office/drawing/2014/main" id="{262549FF-ECB4-B24F-63BA-046C42713518}"/>
               </a:ext>
             </a:extLst>
           </p:cNvPr>
@@ -434,7 +434,7 @@
           <p:cNvPr id="4" name="日期占位符 3">
             <a:extLst>
               <a:ext uri="{FF2B5EF4-FFF2-40B4-BE49-F238E27FC236}">
-                <a16:creationId xmlns:a16="http://schemas.microsoft.com/office/drawing/2014/main" id="{0E05B5F1-5256-7CB2-5440-223311B42E61}"/>
+                <a16:creationId xmlns:a16="http://schemas.microsoft.com/office/drawing/2014/main" id="{F3DC46EE-839D-B902-7C0E-51577DE81F1F}"/>
               </a:ext>
             </a:extLst>
           </p:cNvPr>
@@ -450,7 +450,7 @@
           <a:bodyPr/>
           <a:lstStyle/>
           <a:p>
-            <a:fld id="{6E7F1562-598B-467E-850F-8E0BF8195491}" type="datetimeFigureOut">
+            <a:fld id="{32F01EF9-84B8-4976-B8BB-17876C7CA3C0}" type="datetimeFigureOut">
               <a:rPr lang="zh-CN" altLang="en-US" smtClean="0"/>
               <a:t>2024/3/10</a:t>
             </a:fld>
@@ -463,7 +463,7 @@
           <p:cNvPr id="5" name="页脚占位符 4">
             <a:extLst>
               <a:ext uri="{FF2B5EF4-FFF2-40B4-BE49-F238E27FC236}">
-                <a16:creationId xmlns:a16="http://schemas.microsoft.com/office/drawing/2014/main" id="{E7435D9A-4AAF-D123-4BCB-30B7988D3F72}"/>
+                <a16:creationId xmlns:a16="http://schemas.microsoft.com/office/drawing/2014/main" id="{95510C94-49B4-8E13-65F3-D6CB9825F239}"/>
               </a:ext>
             </a:extLst>
           </p:cNvPr>
@@ -488,7 +488,7 @@
           <p:cNvPr id="6" name="灯片编号占位符 5">
             <a:extLst>
               <a:ext uri="{FF2B5EF4-FFF2-40B4-BE49-F238E27FC236}">
-                <a16:creationId xmlns:a16="http://schemas.microsoft.com/office/drawing/2014/main" id="{D1B6C88A-0766-D9ED-BC2C-BD1040F74028}"/>
+                <a16:creationId xmlns:a16="http://schemas.microsoft.com/office/drawing/2014/main" id="{59B38158-01F4-E4A0-A71F-8B3651CEA935}"/>
               </a:ext>
             </a:extLst>
           </p:cNvPr>
@@ -504,7 +504,7 @@
           <a:bodyPr/>
           <a:lstStyle/>
           <a:p>
-            <a:fld id="{203DF068-1A2A-4D08-AECC-C819F1C20FE9}" type="slidenum">
+            <a:fld id="{1ABDB46A-4D38-40D6-B94D-888EEAF96962}" type="slidenum">
               <a:rPr lang="zh-CN" altLang="en-US" smtClean="0"/>
               <a:t>‹#›</a:t>
             </a:fld>
@@ -515,7 +515,7 @@
     </p:spTree>
     <p:extLst>
       <p:ext uri="{BB962C8B-B14F-4D97-AF65-F5344CB8AC3E}">
-        <p14:creationId xmlns:p14="http://schemas.microsoft.com/office/powerpoint/2010/main" val="3739861631"/>
+        <p14:creationId xmlns:p14="http://schemas.microsoft.com/office/powerpoint/2010/main" val="4191151903"/>
       </p:ext>
     </p:extLst>
   </p:cSld>
@@ -547,7 +547,7 @@
           <p:cNvPr id="2" name="竖排标题 1">
             <a:extLst>
               <a:ext uri="{FF2B5EF4-FFF2-40B4-BE49-F238E27FC236}">
-                <a16:creationId xmlns:a16="http://schemas.microsoft.com/office/drawing/2014/main" id="{D4313205-4453-A9B8-6A84-FA741F0EC145}"/>
+                <a16:creationId xmlns:a16="http://schemas.microsoft.com/office/drawing/2014/main" id="{E6A44662-E727-8E34-A816-CE6B564CBF93}"/>
               </a:ext>
             </a:extLst>
           </p:cNvPr>
@@ -580,7 +580,7 @@
           <p:cNvPr id="3" name="竖排文字占位符 2">
             <a:extLst>
               <a:ext uri="{FF2B5EF4-FFF2-40B4-BE49-F238E27FC236}">
-                <a16:creationId xmlns:a16="http://schemas.microsoft.com/office/drawing/2014/main" id="{7C0F9166-38ED-BE88-E56D-F72D139EE48F}"/>
+                <a16:creationId xmlns:a16="http://schemas.microsoft.com/office/drawing/2014/main" id="{84E17B68-6380-0B29-03E2-D82FD49792DB}"/>
               </a:ext>
             </a:extLst>
           </p:cNvPr>
@@ -642,7 +642,7 @@
           <p:cNvPr id="4" name="日期占位符 3">
             <a:extLst>
               <a:ext uri="{FF2B5EF4-FFF2-40B4-BE49-F238E27FC236}">
-                <a16:creationId xmlns:a16="http://schemas.microsoft.com/office/drawing/2014/main" id="{C0F931D3-FA3E-61D3-62C4-4B270227DB08}"/>
+                <a16:creationId xmlns:a16="http://schemas.microsoft.com/office/drawing/2014/main" id="{F258B17D-16AA-C04B-7128-E90F3601EB6A}"/>
               </a:ext>
             </a:extLst>
           </p:cNvPr>
@@ -658,7 +658,7 @@
           <a:bodyPr/>
           <a:lstStyle/>
           <a:p>
-            <a:fld id="{6E7F1562-598B-467E-850F-8E0BF8195491}" type="datetimeFigureOut">
+            <a:fld id="{32F01EF9-84B8-4976-B8BB-17876C7CA3C0}" type="datetimeFigureOut">
               <a:rPr lang="zh-CN" altLang="en-US" smtClean="0"/>
               <a:t>2024/3/10</a:t>
             </a:fld>
@@ -671,7 +671,7 @@
           <p:cNvPr id="5" name="页脚占位符 4">
             <a:extLst>
               <a:ext uri="{FF2B5EF4-FFF2-40B4-BE49-F238E27FC236}">
-                <a16:creationId xmlns:a16="http://schemas.microsoft.com/office/drawing/2014/main" id="{CDDD0BE3-CDED-CEA4-7700-C80515C98085}"/>
+                <a16:creationId xmlns:a16="http://schemas.microsoft.com/office/drawing/2014/main" id="{3F40EFB6-BFF6-71B1-1CEE-DBC52B09DF60}"/>
               </a:ext>
             </a:extLst>
           </p:cNvPr>
@@ -696,7 +696,7 @@
           <p:cNvPr id="6" name="灯片编号占位符 5">
             <a:extLst>
               <a:ext uri="{FF2B5EF4-FFF2-40B4-BE49-F238E27FC236}">
-                <a16:creationId xmlns:a16="http://schemas.microsoft.com/office/drawing/2014/main" id="{B020C93A-4233-EFD6-C560-82F623523298}"/>
+                <a16:creationId xmlns:a16="http://schemas.microsoft.com/office/drawing/2014/main" id="{A3B88FAD-25E2-F5EC-13A3-EB0AF3475734}"/>
               </a:ext>
             </a:extLst>
           </p:cNvPr>
@@ -712,7 +712,7 @@
           <a:bodyPr/>
           <a:lstStyle/>
           <a:p>
-            <a:fld id="{203DF068-1A2A-4D08-AECC-C819F1C20FE9}" type="slidenum">
+            <a:fld id="{1ABDB46A-4D38-40D6-B94D-888EEAF96962}" type="slidenum">
               <a:rPr lang="zh-CN" altLang="en-US" smtClean="0"/>
               <a:t>‹#›</a:t>
             </a:fld>
@@ -723,7 +723,7 @@
     </p:spTree>
     <p:extLst>
       <p:ext uri="{BB962C8B-B14F-4D97-AF65-F5344CB8AC3E}">
-        <p14:creationId xmlns:p14="http://schemas.microsoft.com/office/powerpoint/2010/main" val="1438256348"/>
+        <p14:creationId xmlns:p14="http://schemas.microsoft.com/office/powerpoint/2010/main" val="2014293921"/>
       </p:ext>
     </p:extLst>
   </p:cSld>
@@ -755,7 +755,7 @@
           <p:cNvPr id="2" name="标题 1">
             <a:extLst>
               <a:ext uri="{FF2B5EF4-FFF2-40B4-BE49-F238E27FC236}">
-                <a16:creationId xmlns:a16="http://schemas.microsoft.com/office/drawing/2014/main" id="{C756FDB7-64AB-0377-8003-961A6440320E}"/>
+                <a16:creationId xmlns:a16="http://schemas.microsoft.com/office/drawing/2014/main" id="{3800E3B4-7E82-97DA-00FF-EA803DA4FC62}"/>
               </a:ext>
             </a:extLst>
           </p:cNvPr>
@@ -783,7 +783,7 @@
           <p:cNvPr id="3" name="内容占位符 2">
             <a:extLst>
               <a:ext uri="{FF2B5EF4-FFF2-40B4-BE49-F238E27FC236}">
-                <a16:creationId xmlns:a16="http://schemas.microsoft.com/office/drawing/2014/main" id="{FD1B6230-E73C-BBC9-00AC-BE1AAB0E0050}"/>
+                <a16:creationId xmlns:a16="http://schemas.microsoft.com/office/drawing/2014/main" id="{3C95B7BE-9056-2105-B04E-13B0D43CA1C0}"/>
               </a:ext>
             </a:extLst>
           </p:cNvPr>
@@ -840,7 +840,7 @@
           <p:cNvPr id="4" name="日期占位符 3">
             <a:extLst>
               <a:ext uri="{FF2B5EF4-FFF2-40B4-BE49-F238E27FC236}">
-                <a16:creationId xmlns:a16="http://schemas.microsoft.com/office/drawing/2014/main" id="{1D2047DE-DAA5-3C5A-D9B2-FDB211F93BBB}"/>
+                <a16:creationId xmlns:a16="http://schemas.microsoft.com/office/drawing/2014/main" id="{0E3BD592-1D60-A76D-9260-B5CF3F69F7DB}"/>
               </a:ext>
             </a:extLst>
           </p:cNvPr>
@@ -856,7 +856,7 @@
           <a:bodyPr/>
           <a:lstStyle/>
           <a:p>
-            <a:fld id="{6E7F1562-598B-467E-850F-8E0BF8195491}" type="datetimeFigureOut">
+            <a:fld id="{32F01EF9-84B8-4976-B8BB-17876C7CA3C0}" type="datetimeFigureOut">
               <a:rPr lang="zh-CN" altLang="en-US" smtClean="0"/>
               <a:t>2024/3/10</a:t>
             </a:fld>
@@ -869,7 +869,7 @@
           <p:cNvPr id="5" name="页脚占位符 4">
             <a:extLst>
               <a:ext uri="{FF2B5EF4-FFF2-40B4-BE49-F238E27FC236}">
-                <a16:creationId xmlns:a16="http://schemas.microsoft.com/office/drawing/2014/main" id="{0FED53D7-649E-C3D0-7EA0-73B22A923D90}"/>
+                <a16:creationId xmlns:a16="http://schemas.microsoft.com/office/drawing/2014/main" id="{E3FCE623-62EB-9DD0-BA00-7F7A239DE835}"/>
               </a:ext>
             </a:extLst>
           </p:cNvPr>
@@ -894,7 +894,7 @@
           <p:cNvPr id="6" name="灯片编号占位符 5">
             <a:extLst>
               <a:ext uri="{FF2B5EF4-FFF2-40B4-BE49-F238E27FC236}">
-                <a16:creationId xmlns:a16="http://schemas.microsoft.com/office/drawing/2014/main" id="{217EFD81-F7F0-964F-23AB-94D74CF22920}"/>
+                <a16:creationId xmlns:a16="http://schemas.microsoft.com/office/drawing/2014/main" id="{07F52B2F-AD09-285B-5397-6F4B090330D5}"/>
               </a:ext>
             </a:extLst>
           </p:cNvPr>
@@ -910,7 +910,7 @@
           <a:bodyPr/>
           <a:lstStyle/>
           <a:p>
-            <a:fld id="{203DF068-1A2A-4D08-AECC-C819F1C20FE9}" type="slidenum">
+            <a:fld id="{1ABDB46A-4D38-40D6-B94D-888EEAF96962}" type="slidenum">
               <a:rPr lang="zh-CN" altLang="en-US" smtClean="0"/>
               <a:t>‹#›</a:t>
             </a:fld>
@@ -921,7 +921,7 @@
     </p:spTree>
     <p:extLst>
       <p:ext uri="{BB962C8B-B14F-4D97-AF65-F5344CB8AC3E}">
-        <p14:creationId xmlns:p14="http://schemas.microsoft.com/office/powerpoint/2010/main" val="1155562005"/>
+        <p14:creationId xmlns:p14="http://schemas.microsoft.com/office/powerpoint/2010/main" val="3726702215"/>
       </p:ext>
     </p:extLst>
   </p:cSld>
@@ -953,7 +953,7 @@
           <p:cNvPr id="2" name="标题 1">
             <a:extLst>
               <a:ext uri="{FF2B5EF4-FFF2-40B4-BE49-F238E27FC236}">
-                <a16:creationId xmlns:a16="http://schemas.microsoft.com/office/drawing/2014/main" id="{CBBB5ADC-1E3C-1B8C-212F-11932E2A61F8}"/>
+                <a16:creationId xmlns:a16="http://schemas.microsoft.com/office/drawing/2014/main" id="{64D386F8-F155-0616-C83E-CDD7D08F8049}"/>
               </a:ext>
             </a:extLst>
           </p:cNvPr>
@@ -990,7 +990,7 @@
           <p:cNvPr id="3" name="文本占位符 2">
             <a:extLst>
               <a:ext uri="{FF2B5EF4-FFF2-40B4-BE49-F238E27FC236}">
-                <a16:creationId xmlns:a16="http://schemas.microsoft.com/office/drawing/2014/main" id="{8707A41C-6B3A-12B1-0E98-C378AAB7F632}"/>
+                <a16:creationId xmlns:a16="http://schemas.microsoft.com/office/drawing/2014/main" id="{64CFBDE6-3D48-52F9-61DA-EBC4332C0166}"/>
               </a:ext>
             </a:extLst>
           </p:cNvPr>
@@ -1115,7 +1115,7 @@
           <p:cNvPr id="4" name="日期占位符 3">
             <a:extLst>
               <a:ext uri="{FF2B5EF4-FFF2-40B4-BE49-F238E27FC236}">
-                <a16:creationId xmlns:a16="http://schemas.microsoft.com/office/drawing/2014/main" id="{B961B86E-4C1A-5896-83B9-8EF568701280}"/>
+                <a16:creationId xmlns:a16="http://schemas.microsoft.com/office/drawing/2014/main" id="{37C2CA97-EDB7-CC02-804D-83F983DB41AC}"/>
               </a:ext>
             </a:extLst>
           </p:cNvPr>
@@ -1131,7 +1131,7 @@
           <a:bodyPr/>
           <a:lstStyle/>
           <a:p>
-            <a:fld id="{6E7F1562-598B-467E-850F-8E0BF8195491}" type="datetimeFigureOut">
+            <a:fld id="{32F01EF9-84B8-4976-B8BB-17876C7CA3C0}" type="datetimeFigureOut">
               <a:rPr lang="zh-CN" altLang="en-US" smtClean="0"/>
               <a:t>2024/3/10</a:t>
             </a:fld>
@@ -1144,7 +1144,7 @@
           <p:cNvPr id="5" name="页脚占位符 4">
             <a:extLst>
               <a:ext uri="{FF2B5EF4-FFF2-40B4-BE49-F238E27FC236}">
-                <a16:creationId xmlns:a16="http://schemas.microsoft.com/office/drawing/2014/main" id="{A13EDA82-68A4-7777-94C3-946566B8B09E}"/>
+                <a16:creationId xmlns:a16="http://schemas.microsoft.com/office/drawing/2014/main" id="{5C9B292D-DA0C-7EFB-FD3C-D49C4DCC3A6D}"/>
               </a:ext>
             </a:extLst>
           </p:cNvPr>
@@ -1169,7 +1169,7 @@
           <p:cNvPr id="6" name="灯片编号占位符 5">
             <a:extLst>
               <a:ext uri="{FF2B5EF4-FFF2-40B4-BE49-F238E27FC236}">
-                <a16:creationId xmlns:a16="http://schemas.microsoft.com/office/drawing/2014/main" id="{924FBA1A-7388-5568-CC96-C33574178223}"/>
+                <a16:creationId xmlns:a16="http://schemas.microsoft.com/office/drawing/2014/main" id="{4E29A62A-039D-F939-9A37-237371D2DDE3}"/>
               </a:ext>
             </a:extLst>
           </p:cNvPr>
@@ -1185,7 +1185,7 @@
           <a:bodyPr/>
           <a:lstStyle/>
           <a:p>
-            <a:fld id="{203DF068-1A2A-4D08-AECC-C819F1C20FE9}" type="slidenum">
+            <a:fld id="{1ABDB46A-4D38-40D6-B94D-888EEAF96962}" type="slidenum">
               <a:rPr lang="zh-CN" altLang="en-US" smtClean="0"/>
               <a:t>‹#›</a:t>
             </a:fld>
@@ -1196,7 +1196,7 @@
     </p:spTree>
     <p:extLst>
       <p:ext uri="{BB962C8B-B14F-4D97-AF65-F5344CB8AC3E}">
-        <p14:creationId xmlns:p14="http://schemas.microsoft.com/office/powerpoint/2010/main" val="1714220166"/>
+        <p14:creationId xmlns:p14="http://schemas.microsoft.com/office/powerpoint/2010/main" val="3371858018"/>
       </p:ext>
     </p:extLst>
   </p:cSld>
@@ -1228,7 +1228,7 @@
           <p:cNvPr id="2" name="标题 1">
             <a:extLst>
               <a:ext uri="{FF2B5EF4-FFF2-40B4-BE49-F238E27FC236}">
-                <a16:creationId xmlns:a16="http://schemas.microsoft.com/office/drawing/2014/main" id="{B08DCA7E-3287-79FB-1874-5DE081EEB7ED}"/>
+                <a16:creationId xmlns:a16="http://schemas.microsoft.com/office/drawing/2014/main" id="{6687C019-1FA2-5C4D-3668-CFF8FF7880BA}"/>
               </a:ext>
             </a:extLst>
           </p:cNvPr>
@@ -1256,7 +1256,7 @@
           <p:cNvPr id="3" name="内容占位符 2">
             <a:extLst>
               <a:ext uri="{FF2B5EF4-FFF2-40B4-BE49-F238E27FC236}">
-                <a16:creationId xmlns:a16="http://schemas.microsoft.com/office/drawing/2014/main" id="{1BA7701B-4A2E-647F-450C-91BEC2E5E35D}"/>
+                <a16:creationId xmlns:a16="http://schemas.microsoft.com/office/drawing/2014/main" id="{868DB8D7-C13D-DF0C-55D7-612681A5182A}"/>
               </a:ext>
             </a:extLst>
           </p:cNvPr>
@@ -1318,7 +1318,7 @@
           <p:cNvPr id="4" name="内容占位符 3">
             <a:extLst>
               <a:ext uri="{FF2B5EF4-FFF2-40B4-BE49-F238E27FC236}">
-                <a16:creationId xmlns:a16="http://schemas.microsoft.com/office/drawing/2014/main" id="{2243CF9F-34D1-964F-839F-D515AABB13C7}"/>
+                <a16:creationId xmlns:a16="http://schemas.microsoft.com/office/drawing/2014/main" id="{58E14B1C-7C75-1528-16F2-4D25E2D4FC85}"/>
               </a:ext>
             </a:extLst>
           </p:cNvPr>
@@ -1380,7 +1380,7 @@
           <p:cNvPr id="5" name="日期占位符 4">
             <a:extLst>
               <a:ext uri="{FF2B5EF4-FFF2-40B4-BE49-F238E27FC236}">
-                <a16:creationId xmlns:a16="http://schemas.microsoft.com/office/drawing/2014/main" id="{5756D605-391E-5285-BECA-AABEFBED84EC}"/>
+                <a16:creationId xmlns:a16="http://schemas.microsoft.com/office/drawing/2014/main" id="{6B07AD5D-AD67-598F-A0E4-3F94FFDA4822}"/>
               </a:ext>
             </a:extLst>
           </p:cNvPr>
@@ -1396,7 +1396,7 @@
           <a:bodyPr/>
           <a:lstStyle/>
           <a:p>
-            <a:fld id="{6E7F1562-598B-467E-850F-8E0BF8195491}" type="datetimeFigureOut">
+            <a:fld id="{32F01EF9-84B8-4976-B8BB-17876C7CA3C0}" type="datetimeFigureOut">
               <a:rPr lang="zh-CN" altLang="en-US" smtClean="0"/>
               <a:t>2024/3/10</a:t>
             </a:fld>
@@ -1409,7 +1409,7 @@
           <p:cNvPr id="6" name="页脚占位符 5">
             <a:extLst>
               <a:ext uri="{FF2B5EF4-FFF2-40B4-BE49-F238E27FC236}">
-                <a16:creationId xmlns:a16="http://schemas.microsoft.com/office/drawing/2014/main" id="{B5593D72-E698-802D-B0C3-6D07AF7CDBFB}"/>
+                <a16:creationId xmlns:a16="http://schemas.microsoft.com/office/drawing/2014/main" id="{4AF6FAF4-7CB4-5D1C-ED71-3D47F2584642}"/>
               </a:ext>
             </a:extLst>
           </p:cNvPr>
@@ -1434,7 +1434,7 @@
           <p:cNvPr id="7" name="灯片编号占位符 6">
             <a:extLst>
               <a:ext uri="{FF2B5EF4-FFF2-40B4-BE49-F238E27FC236}">
-                <a16:creationId xmlns:a16="http://schemas.microsoft.com/office/drawing/2014/main" id="{4590B06B-01CC-6403-FE6F-1C9DCD1014E9}"/>
+                <a16:creationId xmlns:a16="http://schemas.microsoft.com/office/drawing/2014/main" id="{93ECC11F-774C-707B-BD58-B428DB913A33}"/>
               </a:ext>
             </a:extLst>
           </p:cNvPr>
@@ -1450,7 +1450,7 @@
           <a:bodyPr/>
           <a:lstStyle/>
           <a:p>
-            <a:fld id="{203DF068-1A2A-4D08-AECC-C819F1C20FE9}" type="slidenum">
+            <a:fld id="{1ABDB46A-4D38-40D6-B94D-888EEAF96962}" type="slidenum">
               <a:rPr lang="zh-CN" altLang="en-US" smtClean="0"/>
               <a:t>‹#›</a:t>
             </a:fld>
@@ -1461,7 +1461,7 @@
     </p:spTree>
     <p:extLst>
       <p:ext uri="{BB962C8B-B14F-4D97-AF65-F5344CB8AC3E}">
-        <p14:creationId xmlns:p14="http://schemas.microsoft.com/office/powerpoint/2010/main" val="2615373660"/>
+        <p14:creationId xmlns:p14="http://schemas.microsoft.com/office/powerpoint/2010/main" val="3552376618"/>
       </p:ext>
     </p:extLst>
   </p:cSld>
@@ -1493,7 +1493,7 @@
           <p:cNvPr id="2" name="标题 1">
             <a:extLst>
               <a:ext uri="{FF2B5EF4-FFF2-40B4-BE49-F238E27FC236}">
-                <a16:creationId xmlns:a16="http://schemas.microsoft.com/office/drawing/2014/main" id="{FFB98174-831A-EDBB-F059-0FA5532A8649}"/>
+                <a16:creationId xmlns:a16="http://schemas.microsoft.com/office/drawing/2014/main" id="{679BE5A6-22BF-7B8E-FED7-501DF10D404D}"/>
               </a:ext>
             </a:extLst>
           </p:cNvPr>
@@ -1526,7 +1526,7 @@
           <p:cNvPr id="3" name="文本占位符 2">
             <a:extLst>
               <a:ext uri="{FF2B5EF4-FFF2-40B4-BE49-F238E27FC236}">
-                <a16:creationId xmlns:a16="http://schemas.microsoft.com/office/drawing/2014/main" id="{08692BB8-9C89-3C14-3C28-62A6055EA153}"/>
+                <a16:creationId xmlns:a16="http://schemas.microsoft.com/office/drawing/2014/main" id="{6595C323-B51E-3A5D-9BFD-921409E90B23}"/>
               </a:ext>
             </a:extLst>
           </p:cNvPr>
@@ -1597,7 +1597,7 @@
           <p:cNvPr id="4" name="内容占位符 3">
             <a:extLst>
               <a:ext uri="{FF2B5EF4-FFF2-40B4-BE49-F238E27FC236}">
-                <a16:creationId xmlns:a16="http://schemas.microsoft.com/office/drawing/2014/main" id="{9429507D-9F23-45C8-578B-2CF8342D2EEA}"/>
+                <a16:creationId xmlns:a16="http://schemas.microsoft.com/office/drawing/2014/main" id="{4E98F709-5B0F-20C8-2C3D-78D6F983C85D}"/>
               </a:ext>
             </a:extLst>
           </p:cNvPr>
@@ -1659,7 +1659,7 @@
           <p:cNvPr id="5" name="文本占位符 4">
             <a:extLst>
               <a:ext uri="{FF2B5EF4-FFF2-40B4-BE49-F238E27FC236}">
-                <a16:creationId xmlns:a16="http://schemas.microsoft.com/office/drawing/2014/main" id="{A33AE6A0-5D47-E5DC-8ACA-3F32C1FB200B}"/>
+                <a16:creationId xmlns:a16="http://schemas.microsoft.com/office/drawing/2014/main" id="{009D2ACE-EE05-040C-7684-9B49B0EF0164}"/>
               </a:ext>
             </a:extLst>
           </p:cNvPr>
@@ -1730,7 +1730,7 @@
           <p:cNvPr id="6" name="内容占位符 5">
             <a:extLst>
               <a:ext uri="{FF2B5EF4-FFF2-40B4-BE49-F238E27FC236}">
-                <a16:creationId xmlns:a16="http://schemas.microsoft.com/office/drawing/2014/main" id="{65A73DA7-2182-BC30-0806-2C0AB0FF6E6C}"/>
+                <a16:creationId xmlns:a16="http://schemas.microsoft.com/office/drawing/2014/main" id="{AF1F0B11-8EEA-C103-BD03-DB195BC7494C}"/>
               </a:ext>
             </a:extLst>
           </p:cNvPr>
@@ -1792,7 +1792,7 @@
           <p:cNvPr id="7" name="日期占位符 6">
             <a:extLst>
               <a:ext uri="{FF2B5EF4-FFF2-40B4-BE49-F238E27FC236}">
-                <a16:creationId xmlns:a16="http://schemas.microsoft.com/office/drawing/2014/main" id="{051D3B98-4043-310D-EDAA-7691D3579F67}"/>
+                <a16:creationId xmlns:a16="http://schemas.microsoft.com/office/drawing/2014/main" id="{28C55025-368F-293A-D15C-16FE834E7FC0}"/>
               </a:ext>
             </a:extLst>
           </p:cNvPr>
@@ -1808,7 +1808,7 @@
           <a:bodyPr/>
           <a:lstStyle/>
           <a:p>
-            <a:fld id="{6E7F1562-598B-467E-850F-8E0BF8195491}" type="datetimeFigureOut">
+            <a:fld id="{32F01EF9-84B8-4976-B8BB-17876C7CA3C0}" type="datetimeFigureOut">
               <a:rPr lang="zh-CN" altLang="en-US" smtClean="0"/>
               <a:t>2024/3/10</a:t>
             </a:fld>
@@ -1821,7 +1821,7 @@
           <p:cNvPr id="8" name="页脚占位符 7">
             <a:extLst>
               <a:ext uri="{FF2B5EF4-FFF2-40B4-BE49-F238E27FC236}">
-                <a16:creationId xmlns:a16="http://schemas.microsoft.com/office/drawing/2014/main" id="{454A0BFD-42CB-F910-D5E3-67C89C27B45C}"/>
+                <a16:creationId xmlns:a16="http://schemas.microsoft.com/office/drawing/2014/main" id="{F79159A7-4F5A-C568-6544-95D661578D7E}"/>
               </a:ext>
             </a:extLst>
           </p:cNvPr>
@@ -1846,7 +1846,7 @@
           <p:cNvPr id="9" name="灯片编号占位符 8">
             <a:extLst>
               <a:ext uri="{FF2B5EF4-FFF2-40B4-BE49-F238E27FC236}">
-                <a16:creationId xmlns:a16="http://schemas.microsoft.com/office/drawing/2014/main" id="{EF57A462-269F-1876-4A94-5CF4820FACA3}"/>
+                <a16:creationId xmlns:a16="http://schemas.microsoft.com/office/drawing/2014/main" id="{ED624327-D532-E5E3-2B56-10C3B610225E}"/>
               </a:ext>
             </a:extLst>
           </p:cNvPr>
@@ -1862,7 +1862,7 @@
           <a:bodyPr/>
           <a:lstStyle/>
           <a:p>
-            <a:fld id="{203DF068-1A2A-4D08-AECC-C819F1C20FE9}" type="slidenum">
+            <a:fld id="{1ABDB46A-4D38-40D6-B94D-888EEAF96962}" type="slidenum">
               <a:rPr lang="zh-CN" altLang="en-US" smtClean="0"/>
               <a:t>‹#›</a:t>
             </a:fld>
@@ -1873,7 +1873,7 @@
     </p:spTree>
     <p:extLst>
       <p:ext uri="{BB962C8B-B14F-4D97-AF65-F5344CB8AC3E}">
-        <p14:creationId xmlns:p14="http://schemas.microsoft.com/office/powerpoint/2010/main" val="223440639"/>
+        <p14:creationId xmlns:p14="http://schemas.microsoft.com/office/powerpoint/2010/main" val="2037535052"/>
       </p:ext>
     </p:extLst>
   </p:cSld>
@@ -1905,7 +1905,7 @@
           <p:cNvPr id="2" name="标题 1">
             <a:extLst>
               <a:ext uri="{FF2B5EF4-FFF2-40B4-BE49-F238E27FC236}">
-                <a16:creationId xmlns:a16="http://schemas.microsoft.com/office/drawing/2014/main" id="{A6E964A1-2D43-299C-1DF3-6714CA3430C4}"/>
+                <a16:creationId xmlns:a16="http://schemas.microsoft.com/office/drawing/2014/main" id="{006BF084-D734-C79C-6546-A744894AE6B2}"/>
               </a:ext>
             </a:extLst>
           </p:cNvPr>
@@ -1933,7 +1933,7 @@
           <p:cNvPr id="3" name="日期占位符 2">
             <a:extLst>
               <a:ext uri="{FF2B5EF4-FFF2-40B4-BE49-F238E27FC236}">
-                <a16:creationId xmlns:a16="http://schemas.microsoft.com/office/drawing/2014/main" id="{6342FDE6-A325-E32C-4B33-4D8E2D8085B9}"/>
+                <a16:creationId xmlns:a16="http://schemas.microsoft.com/office/drawing/2014/main" id="{004544E0-0178-5053-3F83-2CDD062EBEBE}"/>
               </a:ext>
             </a:extLst>
           </p:cNvPr>
@@ -1949,7 +1949,7 @@
           <a:bodyPr/>
           <a:lstStyle/>
           <a:p>
-            <a:fld id="{6E7F1562-598B-467E-850F-8E0BF8195491}" type="datetimeFigureOut">
+            <a:fld id="{32F01EF9-84B8-4976-B8BB-17876C7CA3C0}" type="datetimeFigureOut">
               <a:rPr lang="zh-CN" altLang="en-US" smtClean="0"/>
               <a:t>2024/3/10</a:t>
             </a:fld>
@@ -1962,7 +1962,7 @@
           <p:cNvPr id="4" name="页脚占位符 3">
             <a:extLst>
               <a:ext uri="{FF2B5EF4-FFF2-40B4-BE49-F238E27FC236}">
-                <a16:creationId xmlns:a16="http://schemas.microsoft.com/office/drawing/2014/main" id="{25DCEB34-1E28-0989-BCA8-022BBCD3C005}"/>
+                <a16:creationId xmlns:a16="http://schemas.microsoft.com/office/drawing/2014/main" id="{EA410D48-CBB7-9F31-7C55-6D5B30AB5306}"/>
               </a:ext>
             </a:extLst>
           </p:cNvPr>
@@ -1987,7 +1987,7 @@
           <p:cNvPr id="5" name="灯片编号占位符 4">
             <a:extLst>
               <a:ext uri="{FF2B5EF4-FFF2-40B4-BE49-F238E27FC236}">
-                <a16:creationId xmlns:a16="http://schemas.microsoft.com/office/drawing/2014/main" id="{E53C78AF-76AF-B786-B6B4-DF6B37018B3E}"/>
+                <a16:creationId xmlns:a16="http://schemas.microsoft.com/office/drawing/2014/main" id="{5CECE2C4-3DDF-811A-E49F-154AE333DB2D}"/>
               </a:ext>
             </a:extLst>
           </p:cNvPr>
@@ -2003,7 +2003,7 @@
           <a:bodyPr/>
           <a:lstStyle/>
           <a:p>
-            <a:fld id="{203DF068-1A2A-4D08-AECC-C819F1C20FE9}" type="slidenum">
+            <a:fld id="{1ABDB46A-4D38-40D6-B94D-888EEAF96962}" type="slidenum">
               <a:rPr lang="zh-CN" altLang="en-US" smtClean="0"/>
               <a:t>‹#›</a:t>
             </a:fld>
@@ -2014,7 +2014,7 @@
     </p:spTree>
     <p:extLst>
       <p:ext uri="{BB962C8B-B14F-4D97-AF65-F5344CB8AC3E}">
-        <p14:creationId xmlns:p14="http://schemas.microsoft.com/office/powerpoint/2010/main" val="3878427343"/>
+        <p14:creationId xmlns:p14="http://schemas.microsoft.com/office/powerpoint/2010/main" val="2831224060"/>
       </p:ext>
     </p:extLst>
   </p:cSld>
@@ -2046,7 +2046,7 @@
           <p:cNvPr id="2" name="日期占位符 1">
             <a:extLst>
               <a:ext uri="{FF2B5EF4-FFF2-40B4-BE49-F238E27FC236}">
-                <a16:creationId xmlns:a16="http://schemas.microsoft.com/office/drawing/2014/main" id="{E87D10F4-3468-226C-3F23-222F28479AC5}"/>
+                <a16:creationId xmlns:a16="http://schemas.microsoft.com/office/drawing/2014/main" id="{1DB27153-58B6-2AB6-B00B-5C5AA2444DEA}"/>
               </a:ext>
             </a:extLst>
           </p:cNvPr>
@@ -2062,7 +2062,7 @@
           <a:bodyPr/>
           <a:lstStyle/>
           <a:p>
-            <a:fld id="{6E7F1562-598B-467E-850F-8E0BF8195491}" type="datetimeFigureOut">
+            <a:fld id="{32F01EF9-84B8-4976-B8BB-17876C7CA3C0}" type="datetimeFigureOut">
               <a:rPr lang="zh-CN" altLang="en-US" smtClean="0"/>
               <a:t>2024/3/10</a:t>
             </a:fld>
@@ -2075,7 +2075,7 @@
           <p:cNvPr id="3" name="页脚占位符 2">
             <a:extLst>
               <a:ext uri="{FF2B5EF4-FFF2-40B4-BE49-F238E27FC236}">
-                <a16:creationId xmlns:a16="http://schemas.microsoft.com/office/drawing/2014/main" id="{69501646-0469-516B-91F7-E6B36B2B4A11}"/>
+                <a16:creationId xmlns:a16="http://schemas.microsoft.com/office/drawing/2014/main" id="{E6D6B6DB-9207-A72D-581F-2A143F118B97}"/>
               </a:ext>
             </a:extLst>
           </p:cNvPr>
@@ -2100,7 +2100,7 @@
           <p:cNvPr id="4" name="灯片编号占位符 3">
             <a:extLst>
               <a:ext uri="{FF2B5EF4-FFF2-40B4-BE49-F238E27FC236}">
-                <a16:creationId xmlns:a16="http://schemas.microsoft.com/office/drawing/2014/main" id="{6E28BF7F-D65B-2AE4-9909-A0F77A19062C}"/>
+                <a16:creationId xmlns:a16="http://schemas.microsoft.com/office/drawing/2014/main" id="{4ADCA598-DA63-3682-B1C7-85AE111BD1B7}"/>
               </a:ext>
             </a:extLst>
           </p:cNvPr>
@@ -2116,7 +2116,7 @@
           <a:bodyPr/>
           <a:lstStyle/>
           <a:p>
-            <a:fld id="{203DF068-1A2A-4D08-AECC-C819F1C20FE9}" type="slidenum">
+            <a:fld id="{1ABDB46A-4D38-40D6-B94D-888EEAF96962}" type="slidenum">
               <a:rPr lang="zh-CN" altLang="en-US" smtClean="0"/>
               <a:t>‹#›</a:t>
             </a:fld>
@@ -2127,7 +2127,7 @@
     </p:spTree>
     <p:extLst>
       <p:ext uri="{BB962C8B-B14F-4D97-AF65-F5344CB8AC3E}">
-        <p14:creationId xmlns:p14="http://schemas.microsoft.com/office/powerpoint/2010/main" val="2936076423"/>
+        <p14:creationId xmlns:p14="http://schemas.microsoft.com/office/powerpoint/2010/main" val="3994054180"/>
       </p:ext>
     </p:extLst>
   </p:cSld>
@@ -2159,7 +2159,7 @@
           <p:cNvPr id="2" name="标题 1">
             <a:extLst>
               <a:ext uri="{FF2B5EF4-FFF2-40B4-BE49-F238E27FC236}">
-                <a16:creationId xmlns:a16="http://schemas.microsoft.com/office/drawing/2014/main" id="{79A41A3A-6A43-3E98-5959-D188EA9F3F78}"/>
+                <a16:creationId xmlns:a16="http://schemas.microsoft.com/office/drawing/2014/main" id="{A4A4C691-233C-1AC5-AF10-6A5D8FF957F9}"/>
               </a:ext>
             </a:extLst>
           </p:cNvPr>
@@ -2196,7 +2196,7 @@
           <p:cNvPr id="3" name="内容占位符 2">
             <a:extLst>
               <a:ext uri="{FF2B5EF4-FFF2-40B4-BE49-F238E27FC236}">
-                <a16:creationId xmlns:a16="http://schemas.microsoft.com/office/drawing/2014/main" id="{EFBF4517-E105-B732-86C0-1118FFBD1481}"/>
+                <a16:creationId xmlns:a16="http://schemas.microsoft.com/office/drawing/2014/main" id="{0F4DAA08-B760-B7F4-7218-3337A7A2CBE2}"/>
               </a:ext>
             </a:extLst>
           </p:cNvPr>
@@ -2286,7 +2286,7 @@
           <p:cNvPr id="4" name="文本占位符 3">
             <a:extLst>
               <a:ext uri="{FF2B5EF4-FFF2-40B4-BE49-F238E27FC236}">
-                <a16:creationId xmlns:a16="http://schemas.microsoft.com/office/drawing/2014/main" id="{8AB5F98F-66C3-BBA7-EE8B-3A6CC331D46A}"/>
+                <a16:creationId xmlns:a16="http://schemas.microsoft.com/office/drawing/2014/main" id="{2FF84521-C67A-4111-8BAB-3368EF50D315}"/>
               </a:ext>
             </a:extLst>
           </p:cNvPr>
@@ -2357,7 +2357,7 @@
           <p:cNvPr id="5" name="日期占位符 4">
             <a:extLst>
               <a:ext uri="{FF2B5EF4-FFF2-40B4-BE49-F238E27FC236}">
-                <a16:creationId xmlns:a16="http://schemas.microsoft.com/office/drawing/2014/main" id="{17266AC4-4DDF-8B51-41CF-53BDE93D0973}"/>
+                <a16:creationId xmlns:a16="http://schemas.microsoft.com/office/drawing/2014/main" id="{39AD5DEE-4D2E-B5BB-40B8-B8B6683DD337}"/>
               </a:ext>
             </a:extLst>
           </p:cNvPr>
@@ -2373,7 +2373,7 @@
           <a:bodyPr/>
           <a:lstStyle/>
           <a:p>
-            <a:fld id="{6E7F1562-598B-467E-850F-8E0BF8195491}" type="datetimeFigureOut">
+            <a:fld id="{32F01EF9-84B8-4976-B8BB-17876C7CA3C0}" type="datetimeFigureOut">
               <a:rPr lang="zh-CN" altLang="en-US" smtClean="0"/>
               <a:t>2024/3/10</a:t>
             </a:fld>
@@ -2386,7 +2386,7 @@
           <p:cNvPr id="6" name="页脚占位符 5">
             <a:extLst>
               <a:ext uri="{FF2B5EF4-FFF2-40B4-BE49-F238E27FC236}">
-                <a16:creationId xmlns:a16="http://schemas.microsoft.com/office/drawing/2014/main" id="{66483ACA-797B-30DE-D502-3F578C5E7CCA}"/>
+                <a16:creationId xmlns:a16="http://schemas.microsoft.com/office/drawing/2014/main" id="{DF4CC493-8334-814F-A420-B501C454363A}"/>
               </a:ext>
             </a:extLst>
           </p:cNvPr>
@@ -2411,7 +2411,7 @@
           <p:cNvPr id="7" name="灯片编号占位符 6">
             <a:extLst>
               <a:ext uri="{FF2B5EF4-FFF2-40B4-BE49-F238E27FC236}">
-                <a16:creationId xmlns:a16="http://schemas.microsoft.com/office/drawing/2014/main" id="{BF0E42CE-451C-1AD9-0B62-C43C8B90A5EF}"/>
+                <a16:creationId xmlns:a16="http://schemas.microsoft.com/office/drawing/2014/main" id="{30849BBF-D871-2360-BA9E-5E4A58740EC7}"/>
               </a:ext>
             </a:extLst>
           </p:cNvPr>
@@ -2427,7 +2427,7 @@
           <a:bodyPr/>
           <a:lstStyle/>
           <a:p>
-            <a:fld id="{203DF068-1A2A-4D08-AECC-C819F1C20FE9}" type="slidenum">
+            <a:fld id="{1ABDB46A-4D38-40D6-B94D-888EEAF96962}" type="slidenum">
               <a:rPr lang="zh-CN" altLang="en-US" smtClean="0"/>
               <a:t>‹#›</a:t>
             </a:fld>
@@ -2438,7 +2438,7 @@
     </p:spTree>
     <p:extLst>
       <p:ext uri="{BB962C8B-B14F-4D97-AF65-F5344CB8AC3E}">
-        <p14:creationId xmlns:p14="http://schemas.microsoft.com/office/powerpoint/2010/main" val="654976042"/>
+        <p14:creationId xmlns:p14="http://schemas.microsoft.com/office/powerpoint/2010/main" val="208989532"/>
       </p:ext>
     </p:extLst>
   </p:cSld>
@@ -2470,7 +2470,7 @@
           <p:cNvPr id="2" name="标题 1">
             <a:extLst>
               <a:ext uri="{FF2B5EF4-FFF2-40B4-BE49-F238E27FC236}">
-                <a16:creationId xmlns:a16="http://schemas.microsoft.com/office/drawing/2014/main" id="{BDEA2272-7523-C8F6-B239-B463503653E7}"/>
+                <a16:creationId xmlns:a16="http://schemas.microsoft.com/office/drawing/2014/main" id="{2740BA1A-91AD-4F14-A649-8434A2FF5AB7}"/>
               </a:ext>
             </a:extLst>
           </p:cNvPr>
@@ -2507,7 +2507,7 @@
           <p:cNvPr id="3" name="图片占位符 2">
             <a:extLst>
               <a:ext uri="{FF2B5EF4-FFF2-40B4-BE49-F238E27FC236}">
-                <a16:creationId xmlns:a16="http://schemas.microsoft.com/office/drawing/2014/main" id="{D4265260-D70B-8BC7-7119-19ED66E0DA39}"/>
+                <a16:creationId xmlns:a16="http://schemas.microsoft.com/office/drawing/2014/main" id="{E2F0AEA9-3FD1-4A16-4096-BA5251C62A5B}"/>
               </a:ext>
             </a:extLst>
           </p:cNvPr>
@@ -2574,7 +2574,7 @@
           <p:cNvPr id="4" name="文本占位符 3">
             <a:extLst>
               <a:ext uri="{FF2B5EF4-FFF2-40B4-BE49-F238E27FC236}">
-                <a16:creationId xmlns:a16="http://schemas.microsoft.com/office/drawing/2014/main" id="{E55C2CE8-BB0B-05B3-FE0D-524AED16EBF1}"/>
+                <a16:creationId xmlns:a16="http://schemas.microsoft.com/office/drawing/2014/main" id="{A4656B52-243B-1B14-B52D-7772D193FB2A}"/>
               </a:ext>
             </a:extLst>
           </p:cNvPr>
@@ -2645,7 +2645,7 @@
           <p:cNvPr id="5" name="日期占位符 4">
             <a:extLst>
               <a:ext uri="{FF2B5EF4-FFF2-40B4-BE49-F238E27FC236}">
-                <a16:creationId xmlns:a16="http://schemas.microsoft.com/office/drawing/2014/main" id="{BDFF7218-ED31-48F8-63E3-0F79259FFBF2}"/>
+                <a16:creationId xmlns:a16="http://schemas.microsoft.com/office/drawing/2014/main" id="{6897CB5E-1247-BFB7-8DE0-0D613970B955}"/>
               </a:ext>
             </a:extLst>
           </p:cNvPr>
@@ -2661,7 +2661,7 @@
           <a:bodyPr/>
           <a:lstStyle/>
           <a:p>
-            <a:fld id="{6E7F1562-598B-467E-850F-8E0BF8195491}" type="datetimeFigureOut">
+            <a:fld id="{32F01EF9-84B8-4976-B8BB-17876C7CA3C0}" type="datetimeFigureOut">
               <a:rPr lang="zh-CN" altLang="en-US" smtClean="0"/>
               <a:t>2024/3/10</a:t>
             </a:fld>
@@ -2674,7 +2674,7 @@
           <p:cNvPr id="6" name="页脚占位符 5">
             <a:extLst>
               <a:ext uri="{FF2B5EF4-FFF2-40B4-BE49-F238E27FC236}">
-                <a16:creationId xmlns:a16="http://schemas.microsoft.com/office/drawing/2014/main" id="{823ABBFA-9E4C-7330-5192-BA19B172AAEA}"/>
+                <a16:creationId xmlns:a16="http://schemas.microsoft.com/office/drawing/2014/main" id="{C80888FE-D141-1ABB-CB89-B5548AFBBDEB}"/>
               </a:ext>
             </a:extLst>
           </p:cNvPr>
@@ -2699,7 +2699,7 @@
           <p:cNvPr id="7" name="灯片编号占位符 6">
             <a:extLst>
               <a:ext uri="{FF2B5EF4-FFF2-40B4-BE49-F238E27FC236}">
-                <a16:creationId xmlns:a16="http://schemas.microsoft.com/office/drawing/2014/main" id="{6F5916E0-9710-8FD5-DBBD-13D281F74807}"/>
+                <a16:creationId xmlns:a16="http://schemas.microsoft.com/office/drawing/2014/main" id="{C1E00168-46A2-04B8-AD89-AA2B63A04F5B}"/>
               </a:ext>
             </a:extLst>
           </p:cNvPr>
@@ -2715,7 +2715,7 @@
           <a:bodyPr/>
           <a:lstStyle/>
           <a:p>
-            <a:fld id="{203DF068-1A2A-4D08-AECC-C819F1C20FE9}" type="slidenum">
+            <a:fld id="{1ABDB46A-4D38-40D6-B94D-888EEAF96962}" type="slidenum">
               <a:rPr lang="zh-CN" altLang="en-US" smtClean="0"/>
               <a:t>‹#›</a:t>
             </a:fld>
@@ -2726,7 +2726,7 @@
     </p:spTree>
     <p:extLst>
       <p:ext uri="{BB962C8B-B14F-4D97-AF65-F5344CB8AC3E}">
-        <p14:creationId xmlns:p14="http://schemas.microsoft.com/office/powerpoint/2010/main" val="2727819367"/>
+        <p14:creationId xmlns:p14="http://schemas.microsoft.com/office/powerpoint/2010/main" val="2759704599"/>
       </p:ext>
     </p:extLst>
   </p:cSld>
@@ -2763,7 +2763,7 @@
           <p:cNvPr id="2" name="标题占位符 1">
             <a:extLst>
               <a:ext uri="{FF2B5EF4-FFF2-40B4-BE49-F238E27FC236}">
-                <a16:creationId xmlns:a16="http://schemas.microsoft.com/office/drawing/2014/main" id="{555298AA-A1F0-D62E-8296-6BED267A74BD}"/>
+                <a16:creationId xmlns:a16="http://schemas.microsoft.com/office/drawing/2014/main" id="{0B0DF5E8-F725-910E-BE59-64961B0DE75B}"/>
               </a:ext>
             </a:extLst>
           </p:cNvPr>
@@ -2801,7 +2801,7 @@
           <p:cNvPr id="3" name="文本占位符 2">
             <a:extLst>
               <a:ext uri="{FF2B5EF4-FFF2-40B4-BE49-F238E27FC236}">
-                <a16:creationId xmlns:a16="http://schemas.microsoft.com/office/drawing/2014/main" id="{FA5780BD-8EC0-6329-A7AD-A5FA88F4EE5C}"/>
+                <a16:creationId xmlns:a16="http://schemas.microsoft.com/office/drawing/2014/main" id="{D8E2A028-666F-5067-4F51-9F1CCE0623D6}"/>
               </a:ext>
             </a:extLst>
           </p:cNvPr>
@@ -2868,7 +2868,7 @@
           <p:cNvPr id="4" name="日期占位符 3">
             <a:extLst>
               <a:ext uri="{FF2B5EF4-FFF2-40B4-BE49-F238E27FC236}">
-                <a16:creationId xmlns:a16="http://schemas.microsoft.com/office/drawing/2014/main" id="{75A37049-B662-8D68-E941-B01C404AE14B}"/>
+                <a16:creationId xmlns:a16="http://schemas.microsoft.com/office/drawing/2014/main" id="{5DB32D2A-6312-2AEB-7E5F-04B7C6AFFC53}"/>
               </a:ext>
             </a:extLst>
           </p:cNvPr>
@@ -2902,7 +2902,7 @@
             </a:lvl1pPr>
           </a:lstStyle>
           <a:p>
-            <a:fld id="{6E7F1562-598B-467E-850F-8E0BF8195491}" type="datetimeFigureOut">
+            <a:fld id="{32F01EF9-84B8-4976-B8BB-17876C7CA3C0}" type="datetimeFigureOut">
               <a:rPr lang="zh-CN" altLang="en-US" smtClean="0"/>
               <a:t>2024/3/10</a:t>
             </a:fld>
@@ -2915,7 +2915,7 @@
           <p:cNvPr id="5" name="页脚占位符 4">
             <a:extLst>
               <a:ext uri="{FF2B5EF4-FFF2-40B4-BE49-F238E27FC236}">
-                <a16:creationId xmlns:a16="http://schemas.microsoft.com/office/drawing/2014/main" id="{33D827CD-FFE4-E43A-92B0-4F0DB6323F36}"/>
+                <a16:creationId xmlns:a16="http://schemas.microsoft.com/office/drawing/2014/main" id="{1D18DE8A-D259-427D-962E-F195DB7C4395}"/>
               </a:ext>
             </a:extLst>
           </p:cNvPr>
@@ -2958,7 +2958,7 @@
           <p:cNvPr id="6" name="灯片编号占位符 5">
             <a:extLst>
               <a:ext uri="{FF2B5EF4-FFF2-40B4-BE49-F238E27FC236}">
-                <a16:creationId xmlns:a16="http://schemas.microsoft.com/office/drawing/2014/main" id="{8C61684A-4263-F5B5-8AFA-CAE5B405A4C3}"/>
+                <a16:creationId xmlns:a16="http://schemas.microsoft.com/office/drawing/2014/main" id="{BB207891-80A3-A2FE-C4B3-31B640F07576}"/>
               </a:ext>
             </a:extLst>
           </p:cNvPr>
@@ -2992,7 +2992,7 @@
             </a:lvl1pPr>
           </a:lstStyle>
           <a:p>
-            <a:fld id="{203DF068-1A2A-4D08-AECC-C819F1C20FE9}" type="slidenum">
+            <a:fld id="{1ABDB46A-4D38-40D6-B94D-888EEAF96962}" type="slidenum">
               <a:rPr lang="zh-CN" altLang="en-US" smtClean="0"/>
               <a:t>‹#›</a:t>
             </a:fld>
@@ -3003,7 +3003,7 @@
     </p:spTree>
     <p:extLst>
       <p:ext uri="{BB962C8B-B14F-4D97-AF65-F5344CB8AC3E}">
-        <p14:creationId xmlns:p14="http://schemas.microsoft.com/office/powerpoint/2010/main" val="333350054"/>
+        <p14:creationId xmlns:p14="http://schemas.microsoft.com/office/powerpoint/2010/main" val="221804646"/>
       </p:ext>
     </p:extLst>
   </p:cSld>
